--- a/assets/tactile_image_files/0005-mid-ocean_ridge/0005-mid-ocean_ridge.pptx
+++ b/assets/tactile_image_files/0005-mid-ocean_ridge/0005-mid-ocean_ridge.pptx
@@ -253,7 +253,7 @@
           <a:p>
             <a:fld id="{E796F801-3BB8-A247-923B-F07F1B58D38A}" type="datetimeFigureOut">
               <a:rPr lang="en-US" smtClean="0"/>
-              <a:t>7/23/20</a:t>
+              <a:t>1/8/21</a:t>
             </a:fld>
             <a:endParaRPr lang="en-US"/>
           </a:p>
@@ -433,7 +433,7 @@
           <a:p>
             <a:fld id="{E796F801-3BB8-A247-923B-F07F1B58D38A}" type="datetimeFigureOut">
               <a:rPr lang="en-US" smtClean="0"/>
-              <a:t>7/23/20</a:t>
+              <a:t>1/8/21</a:t>
             </a:fld>
             <a:endParaRPr lang="en-US"/>
           </a:p>
@@ -603,7 +603,7 @@
           <a:p>
             <a:fld id="{E796F801-3BB8-A247-923B-F07F1B58D38A}" type="datetimeFigureOut">
               <a:rPr lang="en-US" smtClean="0"/>
-              <a:t>7/23/20</a:t>
+              <a:t>1/8/21</a:t>
             </a:fld>
             <a:endParaRPr lang="en-US"/>
           </a:p>
@@ -847,7 +847,7 @@
           <a:p>
             <a:fld id="{E796F801-3BB8-A247-923B-F07F1B58D38A}" type="datetimeFigureOut">
               <a:rPr lang="en-US" smtClean="0"/>
-              <a:t>7/23/20</a:t>
+              <a:t>1/8/21</a:t>
             </a:fld>
             <a:endParaRPr lang="en-US"/>
           </a:p>
@@ -1079,7 +1079,7 @@
           <a:p>
             <a:fld id="{E796F801-3BB8-A247-923B-F07F1B58D38A}" type="datetimeFigureOut">
               <a:rPr lang="en-US" smtClean="0"/>
-              <a:t>7/23/20</a:t>
+              <a:t>1/8/21</a:t>
             </a:fld>
             <a:endParaRPr lang="en-US"/>
           </a:p>
@@ -1446,7 +1446,7 @@
           <a:p>
             <a:fld id="{E796F801-3BB8-A247-923B-F07F1B58D38A}" type="datetimeFigureOut">
               <a:rPr lang="en-US" smtClean="0"/>
-              <a:t>7/23/20</a:t>
+              <a:t>1/8/21</a:t>
             </a:fld>
             <a:endParaRPr lang="en-US"/>
           </a:p>
@@ -1564,7 +1564,7 @@
           <a:p>
             <a:fld id="{E796F801-3BB8-A247-923B-F07F1B58D38A}" type="datetimeFigureOut">
               <a:rPr lang="en-US" smtClean="0"/>
-              <a:t>7/23/20</a:t>
+              <a:t>1/8/21</a:t>
             </a:fld>
             <a:endParaRPr lang="en-US"/>
           </a:p>
@@ -1659,7 +1659,7 @@
           <a:p>
             <a:fld id="{E796F801-3BB8-A247-923B-F07F1B58D38A}" type="datetimeFigureOut">
               <a:rPr lang="en-US" smtClean="0"/>
-              <a:t>7/23/20</a:t>
+              <a:t>1/8/21</a:t>
             </a:fld>
             <a:endParaRPr lang="en-US"/>
           </a:p>
@@ -1936,7 +1936,7 @@
           <a:p>
             <a:fld id="{E796F801-3BB8-A247-923B-F07F1B58D38A}" type="datetimeFigureOut">
               <a:rPr lang="en-US" smtClean="0"/>
-              <a:t>7/23/20</a:t>
+              <a:t>1/8/21</a:t>
             </a:fld>
             <a:endParaRPr lang="en-US"/>
           </a:p>
@@ -2193,7 +2193,7 @@
           <a:p>
             <a:fld id="{E796F801-3BB8-A247-923B-F07F1B58D38A}" type="datetimeFigureOut">
               <a:rPr lang="en-US" smtClean="0"/>
-              <a:t>7/23/20</a:t>
+              <a:t>1/8/21</a:t>
             </a:fld>
             <a:endParaRPr lang="en-US"/>
           </a:p>
@@ -2406,7 +2406,7 @@
           <a:p>
             <a:fld id="{E796F801-3BB8-A247-923B-F07F1B58D38A}" type="datetimeFigureOut">
               <a:rPr lang="en-US" smtClean="0"/>
-              <a:t>7/23/20</a:t>
+              <a:t>1/8/21</a:t>
             </a:fld>
             <a:endParaRPr lang="en-US"/>
           </a:p>
@@ -8053,7 +8053,7 @@
         </p:nvSpPr>
         <p:spPr>
           <a:xfrm>
-            <a:off x="3617095" y="160892"/>
+            <a:off x="3617095" y="362911"/>
             <a:ext cx="1928733" cy="369332"/>
           </a:xfrm>
           <a:prstGeom prst="rect">
@@ -14740,7 +14740,7 @@
         </p:nvSpPr>
         <p:spPr>
           <a:xfrm>
-            <a:off x="2660166" y="128995"/>
+            <a:off x="2660166" y="245953"/>
             <a:ext cx="3749744" cy="461665"/>
           </a:xfrm>
           <a:prstGeom prst="rect">
@@ -15172,142 +15172,6 @@
       </p:sp>
       <p:sp>
         <p:nvSpPr>
-          <p:cNvPr id="85" name="Rectangle 84">
-            <a:extLst>
-              <a:ext uri="{FF2B5EF4-FFF2-40B4-BE49-F238E27FC236}">
-                <a16:creationId xmlns:a16="http://schemas.microsoft.com/office/drawing/2014/main" id="{30128585-D323-2248-AD56-F83A84180D1D}"/>
-              </a:ext>
-            </a:extLst>
-          </p:cNvPr>
-          <p:cNvSpPr/>
-          <p:nvPr/>
-        </p:nvSpPr>
-        <p:spPr>
-          <a:xfrm>
-            <a:off x="424055" y="5051867"/>
-            <a:ext cx="4233005" cy="830997"/>
-          </a:xfrm>
-          <a:prstGeom prst="rect">
-            <a:avLst/>
-          </a:prstGeom>
-        </p:spPr>
-        <p:txBody>
-          <a:bodyPr wrap="square">
-            <a:spAutoFit/>
-          </a:bodyPr>
-          <a:lstStyle/>
-          <a:p>
-            <a:r>
-              <a:rPr lang="en-US" sz="2400">
-                <a:latin typeface="Swell Braille" pitchFamily="49"/>
-              </a:rPr>
-              <a:t>⠇⠊⠹⠕⠎⠏⠓⠻⠊⠉⠀</a:t>
-            </a:r>
-          </a:p>
-          <a:p>
-            <a:r>
-              <a:rPr lang="en-US" sz="2400">
-                <a:latin typeface="Swell Braille" pitchFamily="49"/>
-              </a:rPr>
-              <a:t>⠍⠁⠝⠞⠇⠑</a:t>
-            </a:r>
-          </a:p>
-        </p:txBody>
-      </p:sp>
-      <p:sp>
-        <p:nvSpPr>
-          <p:cNvPr id="87" name="Rectangle 86">
-            <a:extLst>
-              <a:ext uri="{FF2B5EF4-FFF2-40B4-BE49-F238E27FC236}">
-                <a16:creationId xmlns:a16="http://schemas.microsoft.com/office/drawing/2014/main" id="{C64633B5-CFD3-F049-B1BA-21E4BDB43CDA}"/>
-              </a:ext>
-            </a:extLst>
-          </p:cNvPr>
-          <p:cNvSpPr/>
-          <p:nvPr/>
-        </p:nvSpPr>
-        <p:spPr>
-          <a:xfrm>
-            <a:off x="2713599" y="5161737"/>
-            <a:ext cx="4233005" cy="830997"/>
-          </a:xfrm>
-          <a:prstGeom prst="rect">
-            <a:avLst/>
-          </a:prstGeom>
-        </p:spPr>
-        <p:txBody>
-          <a:bodyPr wrap="square">
-            <a:spAutoFit/>
-          </a:bodyPr>
-          <a:lstStyle/>
-          <a:p>
-            <a:pPr algn="r"/>
-            <a:r>
-              <a:rPr lang="en-US" sz="2400">
-                <a:latin typeface="Swell Braille" pitchFamily="49"/>
-              </a:rPr>
-              <a:t>⠇⠊⠹⠕⠎⠏⠓⠻⠊⠉</a:t>
-            </a:r>
-          </a:p>
-          <a:p>
-            <a:pPr algn="r"/>
-            <a:r>
-              <a:rPr lang="en-US" sz="2400">
-                <a:latin typeface="Swell Braille" pitchFamily="49"/>
-              </a:rPr>
-              <a:t>⠍⠁⠝⠞⠇⠑</a:t>
-            </a:r>
-          </a:p>
-        </p:txBody>
-      </p:sp>
-      <p:sp>
-        <p:nvSpPr>
-          <p:cNvPr id="89" name="Rectangle 88">
-            <a:extLst>
-              <a:ext uri="{FF2B5EF4-FFF2-40B4-BE49-F238E27FC236}">
-                <a16:creationId xmlns:a16="http://schemas.microsoft.com/office/drawing/2014/main" id="{A1B46B84-D988-1D48-A690-67872E26B1C9}"/>
-              </a:ext>
-            </a:extLst>
-          </p:cNvPr>
-          <p:cNvSpPr/>
-          <p:nvPr/>
-        </p:nvSpPr>
-        <p:spPr>
-          <a:xfrm>
-            <a:off x="2383969" y="5846250"/>
-            <a:ext cx="2635658" cy="830997"/>
-          </a:xfrm>
-          <a:prstGeom prst="rect">
-            <a:avLst/>
-          </a:prstGeom>
-        </p:spPr>
-        <p:txBody>
-          <a:bodyPr wrap="none">
-            <a:spAutoFit/>
-          </a:bodyPr>
-          <a:lstStyle/>
-          <a:p>
-            <a:pPr algn="ctr"/>
-            <a:r>
-              <a:rPr lang="en-US" sz="2400">
-                <a:latin typeface="Swell Braille" pitchFamily="49"/>
-              </a:rPr>
-              <a:t>⠁⠎⠮⠝⠕⠎⠏⠓⠻⠊⠉</a:t>
-            </a:r>
-          </a:p>
-          <a:p>
-            <a:pPr algn="ctr"/>
-            <a:r>
-              <a:rPr lang="en-US" sz="2400">
-                <a:latin typeface="Swell Braille" pitchFamily="49"/>
-              </a:rPr>
-              <a:t>⠍⠁⠝⠞⠇⠑</a:t>
-            </a:r>
-          </a:p>
-        </p:txBody>
-      </p:sp>
-      <p:sp>
-        <p:nvSpPr>
           <p:cNvPr id="42" name="Freeform 41">
             <a:extLst>
               <a:ext uri="{FF2B5EF4-FFF2-40B4-BE49-F238E27FC236}">
@@ -15586,6 +15450,140 @@
             <a:r>
               <a:rPr lang="en-US"/>
               <a:t>⠍⠁⠛⠍⠁</a:t>
+            </a:r>
+          </a:p>
+        </p:txBody>
+      </p:sp>
+      <p:sp>
+        <p:nvSpPr>
+          <p:cNvPr id="2" name="Rectangle 1">
+            <a:extLst>
+              <a:ext uri="{FF2B5EF4-FFF2-40B4-BE49-F238E27FC236}">
+                <a16:creationId xmlns:a16="http://schemas.microsoft.com/office/drawing/2014/main" id="{4D0EC57F-EF03-3B4B-A45B-22426FE36DC4}"/>
+              </a:ext>
+            </a:extLst>
+          </p:cNvPr>
+          <p:cNvSpPr/>
+          <p:nvPr/>
+        </p:nvSpPr>
+        <p:spPr>
+          <a:xfrm>
+            <a:off x="262495" y="4775422"/>
+            <a:ext cx="3081293" cy="830997"/>
+          </a:xfrm>
+          <a:prstGeom prst="rect">
+            <a:avLst/>
+          </a:prstGeom>
+        </p:spPr>
+        <p:txBody>
+          <a:bodyPr wrap="none">
+            <a:spAutoFit/>
+          </a:bodyPr>
+          <a:lstStyle/>
+          <a:p>
+            <a:r>
+              <a:rPr lang="en-US" sz="2400">
+                <a:latin typeface="Swell Braille" pitchFamily="49"/>
+              </a:rPr>
+              <a:t>⠇⠊⠞⠓⠕⠎⠏⠓⠑⠗⠊⠉⠀</a:t>
+            </a:r>
+          </a:p>
+          <a:p>
+            <a:r>
+              <a:rPr lang="en-US" sz="2400">
+                <a:latin typeface="Swell Braille" pitchFamily="49"/>
+              </a:rPr>
+              <a:t>⠍⠁⠝⠞⠇⠑</a:t>
+            </a:r>
+          </a:p>
+        </p:txBody>
+      </p:sp>
+      <p:sp>
+        <p:nvSpPr>
+          <p:cNvPr id="3" name="Rectangle 2">
+            <a:extLst>
+              <a:ext uri="{FF2B5EF4-FFF2-40B4-BE49-F238E27FC236}">
+                <a16:creationId xmlns:a16="http://schemas.microsoft.com/office/drawing/2014/main" id="{4DAC1E4D-F6BA-4341-B081-2EA313FA509E}"/>
+              </a:ext>
+            </a:extLst>
+          </p:cNvPr>
+          <p:cNvSpPr/>
+          <p:nvPr/>
+        </p:nvSpPr>
+        <p:spPr>
+          <a:xfrm>
+            <a:off x="5355370" y="5136930"/>
+            <a:ext cx="1579278" cy="830997"/>
+          </a:xfrm>
+          <a:prstGeom prst="rect">
+            <a:avLst/>
+          </a:prstGeom>
+        </p:spPr>
+        <p:txBody>
+          <a:bodyPr wrap="none">
+            <a:spAutoFit/>
+          </a:bodyPr>
+          <a:lstStyle/>
+          <a:p>
+            <a:r>
+              <a:rPr lang="en-US" sz="2400">
+                <a:latin typeface="Swell Braille" pitchFamily="49"/>
+              </a:rPr>
+              <a:t>⠇⠊⠞⠓⠲⠀</a:t>
+            </a:r>
+          </a:p>
+          <a:p>
+            <a:r>
+              <a:rPr lang="en-US" sz="2400">
+                <a:latin typeface="Swell Braille" pitchFamily="49"/>
+              </a:rPr>
+              <a:t>⠍⠁⠝⠞⠇⠑</a:t>
+            </a:r>
+          </a:p>
+        </p:txBody>
+      </p:sp>
+      <p:sp>
+        <p:nvSpPr>
+          <p:cNvPr id="10" name="Rectangle 9">
+            <a:extLst>
+              <a:ext uri="{FF2B5EF4-FFF2-40B4-BE49-F238E27FC236}">
+                <a16:creationId xmlns:a16="http://schemas.microsoft.com/office/drawing/2014/main" id="{E0E90BEC-75DD-0348-AFEC-C24438DD3AF9}"/>
+              </a:ext>
+            </a:extLst>
+          </p:cNvPr>
+          <p:cNvSpPr/>
+          <p:nvPr/>
+        </p:nvSpPr>
+        <p:spPr>
+          <a:xfrm>
+            <a:off x="2035128" y="5923738"/>
+            <a:ext cx="3526928" cy="830997"/>
+          </a:xfrm>
+          <a:prstGeom prst="rect">
+            <a:avLst/>
+          </a:prstGeom>
+        </p:spPr>
+        <p:txBody>
+          <a:bodyPr wrap="none">
+            <a:spAutoFit/>
+          </a:bodyPr>
+          <a:lstStyle/>
+          <a:p>
+            <a:pPr algn="ctr"/>
+            <a:r>
+              <a:rPr lang="en-US" sz="2400">
+                <a:latin typeface="Swell Braille" pitchFamily="49"/>
+              </a:rPr>
+              <a:t>⠁⠎⠞⠓⠑⠝⠕⠎⠏⠓⠑⠗⠊⠉⠀</a:t>
+            </a:r>
+          </a:p>
+          <a:p>
+            <a:pPr algn="ctr"/>
+            <a:r>
+              <a:rPr lang="en-US" sz="2400">
+                <a:latin typeface="Swell Braille" pitchFamily="49"/>
+              </a:rPr>
+              <a:t>⠍⠁⠝⠞⠇⠑</a:t>
             </a:r>
           </a:p>
         </p:txBody>

--- a/assets/tactile_image_files/0005-mid-ocean_ridge/0005-mid-ocean_ridge.pptx
+++ b/assets/tactile_image_files/0005-mid-ocean_ridge/0005-mid-ocean_ridge.pptx
@@ -253,7 +253,7 @@
           <a:p>
             <a:fld id="{E796F801-3BB8-A247-923B-F07F1B58D38A}" type="datetimeFigureOut">
               <a:rPr lang="en-US" smtClean="0"/>
-              <a:t>1/8/21</a:t>
+              <a:t>6/17/21</a:t>
             </a:fld>
             <a:endParaRPr lang="en-US"/>
           </a:p>
@@ -433,7 +433,7 @@
           <a:p>
             <a:fld id="{E796F801-3BB8-A247-923B-F07F1B58D38A}" type="datetimeFigureOut">
               <a:rPr lang="en-US" smtClean="0"/>
-              <a:t>1/8/21</a:t>
+              <a:t>6/17/21</a:t>
             </a:fld>
             <a:endParaRPr lang="en-US"/>
           </a:p>
@@ -603,7 +603,7 @@
           <a:p>
             <a:fld id="{E796F801-3BB8-A247-923B-F07F1B58D38A}" type="datetimeFigureOut">
               <a:rPr lang="en-US" smtClean="0"/>
-              <a:t>1/8/21</a:t>
+              <a:t>6/17/21</a:t>
             </a:fld>
             <a:endParaRPr lang="en-US"/>
           </a:p>
@@ -847,7 +847,7 @@
           <a:p>
             <a:fld id="{E796F801-3BB8-A247-923B-F07F1B58D38A}" type="datetimeFigureOut">
               <a:rPr lang="en-US" smtClean="0"/>
-              <a:t>1/8/21</a:t>
+              <a:t>6/17/21</a:t>
             </a:fld>
             <a:endParaRPr lang="en-US"/>
           </a:p>
@@ -1079,7 +1079,7 @@
           <a:p>
             <a:fld id="{E796F801-3BB8-A247-923B-F07F1B58D38A}" type="datetimeFigureOut">
               <a:rPr lang="en-US" smtClean="0"/>
-              <a:t>1/8/21</a:t>
+              <a:t>6/17/21</a:t>
             </a:fld>
             <a:endParaRPr lang="en-US"/>
           </a:p>
@@ -1446,7 +1446,7 @@
           <a:p>
             <a:fld id="{E796F801-3BB8-A247-923B-F07F1B58D38A}" type="datetimeFigureOut">
               <a:rPr lang="en-US" smtClean="0"/>
-              <a:t>1/8/21</a:t>
+              <a:t>6/17/21</a:t>
             </a:fld>
             <a:endParaRPr lang="en-US"/>
           </a:p>
@@ -1564,7 +1564,7 @@
           <a:p>
             <a:fld id="{E796F801-3BB8-A247-923B-F07F1B58D38A}" type="datetimeFigureOut">
               <a:rPr lang="en-US" smtClean="0"/>
-              <a:t>1/8/21</a:t>
+              <a:t>6/17/21</a:t>
             </a:fld>
             <a:endParaRPr lang="en-US"/>
           </a:p>
@@ -1659,7 +1659,7 @@
           <a:p>
             <a:fld id="{E796F801-3BB8-A247-923B-F07F1B58D38A}" type="datetimeFigureOut">
               <a:rPr lang="en-US" smtClean="0"/>
-              <a:t>1/8/21</a:t>
+              <a:t>6/17/21</a:t>
             </a:fld>
             <a:endParaRPr lang="en-US"/>
           </a:p>
@@ -1936,7 +1936,7 @@
           <a:p>
             <a:fld id="{E796F801-3BB8-A247-923B-F07F1B58D38A}" type="datetimeFigureOut">
               <a:rPr lang="en-US" smtClean="0"/>
-              <a:t>1/8/21</a:t>
+              <a:t>6/17/21</a:t>
             </a:fld>
             <a:endParaRPr lang="en-US"/>
           </a:p>
@@ -2193,7 +2193,7 @@
           <a:p>
             <a:fld id="{E796F801-3BB8-A247-923B-F07F1B58D38A}" type="datetimeFigureOut">
               <a:rPr lang="en-US" smtClean="0"/>
-              <a:t>1/8/21</a:t>
+              <a:t>6/17/21</a:t>
             </a:fld>
             <a:endParaRPr lang="en-US"/>
           </a:p>
@@ -2406,7 +2406,7 @@
           <a:p>
             <a:fld id="{E796F801-3BB8-A247-923B-F07F1B58D38A}" type="datetimeFigureOut">
               <a:rPr lang="en-US" smtClean="0"/>
-              <a:t>1/8/21</a:t>
+              <a:t>6/17/21</a:t>
             </a:fld>
             <a:endParaRPr lang="en-US"/>
           </a:p>
@@ -8425,11 +8425,11 @@
           <a:lstStyle/>
           <a:p>
             <a:r>
-              <a:rPr lang="en-US" sz="1400">
+              <a:rPr lang="en-US" sz="1400" dirty="0">
                 <a:latin typeface="Arial" panose="020B0604020202020204" pitchFamily="34" charset="0"/>
                 <a:cs typeface="Arial" panose="020B0604020202020204" pitchFamily="34" charset="0"/>
               </a:rPr>
-              <a:t>pilllow basalt</a:t>
+              <a:t>pillow basalt</a:t>
             </a:r>
           </a:p>
         </p:txBody>
@@ -9355,8 +9355,8 @@
           </p:nvCxnSpPr>
           <p:spPr>
             <a:xfrm flipH="1">
-              <a:off x="4766682" y="4904095"/>
-              <a:ext cx="552469" cy="90259"/>
+              <a:off x="4766682" y="4663440"/>
+              <a:ext cx="539230" cy="330914"/>
             </a:xfrm>
             <a:prstGeom prst="line">
               <a:avLst/>
@@ -14790,7 +14790,7 @@
           <a:lstStyle/>
           <a:p>
             <a:r>
-              <a:rPr lang="en-US" sz="2400">
+              <a:rPr lang="en-US" sz="2400" dirty="0">
                 <a:latin typeface="Swell Braille" pitchFamily="49"/>
               </a:rPr>
               <a:t>⠎⠫⠊⠰⠞</a:t>
@@ -14862,7 +14862,7 @@
           <a:lstStyle/>
           <a:p>
             <a:r>
-              <a:rPr lang="en-US" sz="2400">
+              <a:rPr lang="en-US" sz="2400" dirty="0">
                 <a:latin typeface="Swell Braille" pitchFamily="49"/>
               </a:rPr>
               <a:t>⠧⠕⠇⠉⠁⠝⠕⠀⠁⠞⠀⠁⠭⠊⠎</a:t>
@@ -14942,7 +14942,7 @@
           <a:lstStyle/>
           <a:p>
             <a:r>
-              <a:rPr lang="en-US" sz="2400">
+              <a:rPr lang="en-US" sz="2400" dirty="0">
                 <a:latin typeface="Swell Braille" pitchFamily="49"/>
               </a:rPr>
               <a:t>⠃⠁⠎⠁⠇⠞</a:t>
@@ -14950,7 +14950,7 @@
           </a:p>
           <a:p>
             <a:r>
-              <a:rPr lang="en-US" sz="2400">
+              <a:rPr lang="en-US" sz="2400" dirty="0">
                 <a:latin typeface="Swell Braille" pitchFamily="49"/>
               </a:rPr>
               <a:t>⠙⠊⠅⠑⠎⠀⠯⠀</a:t>
@@ -14958,7 +14958,7 @@
           </a:p>
           <a:p>
             <a:r>
-              <a:rPr lang="en-US" sz="2400">
+              <a:rPr lang="en-US" sz="2400" dirty="0">
                 <a:latin typeface="Swell Braille" pitchFamily="49"/>
               </a:rPr>
               <a:t>⠝⠕⠗⠍⠁⠇⠀</a:t>
@@ -14966,7 +14966,7 @@
           </a:p>
           <a:p>
             <a:r>
-              <a:rPr lang="en-US" sz="2400">
+              <a:rPr lang="en-US" sz="2400" dirty="0">
                 <a:latin typeface="Swell Braille" pitchFamily="49"/>
               </a:rPr>
               <a:t>⠋⠁⠥⠇⠞⠎</a:t>
@@ -15002,7 +15002,7 @@
           <a:lstStyle/>
           <a:p>
             <a:r>
-              <a:rPr lang="en-US" sz="2400">
+              <a:rPr lang="en-US" sz="2400" dirty="0">
                 <a:latin typeface="Swell Braille" pitchFamily="49"/>
               </a:rPr>
               <a:t>⠛⠁⠆⠗⠕</a:t>
@@ -15148,7 +15148,7 @@
         </p:nvSpPr>
         <p:spPr>
           <a:xfrm>
-            <a:off x="4302849" y="4520241"/>
+            <a:off x="4226620" y="4370373"/>
             <a:ext cx="1298753" cy="461665"/>
           </a:xfrm>
           <a:prstGeom prst="rect">
@@ -15162,7 +15162,7 @@
           <a:lstStyle/>
           <a:p>
             <a:r>
-              <a:rPr lang="en-US" sz="2400">
+              <a:rPr lang="en-US" sz="2400" dirty="0">
                 <a:latin typeface="Swell Braille" pitchFamily="49"/>
               </a:rPr>
               <a:t>⠍⠑⠇⠞⠬</a:t>
@@ -15434,8 +15434,8 @@
         </p:nvSpPr>
         <p:spPr>
           <a:xfrm>
-            <a:off x="2547665" y="2925357"/>
-            <a:ext cx="1050288" cy="369332"/>
+            <a:off x="2220943" y="2925357"/>
+            <a:ext cx="1298753" cy="461665"/>
           </a:xfrm>
           <a:prstGeom prst="rect">
             <a:avLst/>
@@ -15448,7 +15448,9 @@
           <a:lstStyle/>
           <a:p>
             <a:r>
-              <a:rPr lang="en-US"/>
+              <a:rPr lang="en-US" sz="2400" dirty="0">
+                <a:latin typeface="Swell Braille" panose="01010609060101010103" pitchFamily="49" charset="0"/>
+              </a:rPr>
               <a:t>⠍⠁⠛⠍⠁</a:t>
             </a:r>
           </a:p>
@@ -15469,7 +15471,7 @@
         <p:spPr>
           <a:xfrm>
             <a:off x="262495" y="4775422"/>
-            <a:ext cx="3081293" cy="830997"/>
+            <a:ext cx="2635658" cy="830997"/>
           </a:xfrm>
           <a:prstGeom prst="rect">
             <a:avLst/>
@@ -15482,15 +15484,15 @@
           <a:lstStyle/>
           <a:p>
             <a:r>
-              <a:rPr lang="en-US" sz="2400">
+              <a:rPr lang="en-US" sz="2400" dirty="0">
                 <a:latin typeface="Swell Braille" pitchFamily="49"/>
               </a:rPr>
-              <a:t>⠇⠊⠞⠓⠕⠎⠏⠓⠑⠗⠊⠉⠀</a:t>
+              <a:t>⠇⠊?⠕⠎⠏⠓}⠊⠉⠀</a:t>
             </a:r>
           </a:p>
           <a:p>
             <a:r>
-              <a:rPr lang="en-US" sz="2400">
+              <a:rPr lang="en-US" sz="2400" dirty="0">
                 <a:latin typeface="Swell Braille" pitchFamily="49"/>
               </a:rPr>
               <a:t>⠍⠁⠝⠞⠇⠑</a:t>
@@ -15512,29 +15514,29 @@
         </p:nvSpPr>
         <p:spPr>
           <a:xfrm>
-            <a:off x="5355370" y="5136930"/>
-            <a:ext cx="1579278" cy="830997"/>
+            <a:off x="4768381" y="4816685"/>
+            <a:ext cx="3081293" cy="830997"/>
           </a:xfrm>
           <a:prstGeom prst="rect">
             <a:avLst/>
           </a:prstGeom>
         </p:spPr>
         <p:txBody>
-          <a:bodyPr wrap="none">
+          <a:bodyPr wrap="square">
             <a:spAutoFit/>
           </a:bodyPr>
           <a:lstStyle/>
           <a:p>
             <a:r>
-              <a:rPr lang="en-US" sz="2400">
+              <a:rPr lang="en-US" sz="2400" dirty="0">
                 <a:latin typeface="Swell Braille" pitchFamily="49"/>
               </a:rPr>
-              <a:t>⠇⠊⠞⠓⠲⠀</a:t>
+              <a:t>⠇⠊?⠕⠎⠏⠓]⠊⠉⠀⠀</a:t>
             </a:r>
           </a:p>
           <a:p>
             <a:r>
-              <a:rPr lang="en-US" sz="2400">
+              <a:rPr lang="en-US" sz="2400" dirty="0">
                 <a:latin typeface="Swell Braille" pitchFamily="49"/>
               </a:rPr>
               <a:t>⠍⠁⠝⠞⠇⠑</a:t>
@@ -15556,8 +15558,8 @@
         </p:nvSpPr>
         <p:spPr>
           <a:xfrm>
-            <a:off x="2035128" y="5923738"/>
-            <a:ext cx="3526928" cy="830997"/>
+            <a:off x="2369353" y="5923738"/>
+            <a:ext cx="2858476" cy="830997"/>
           </a:xfrm>
           <a:prstGeom prst="rect">
             <a:avLst/>
@@ -15571,16 +15573,16 @@
           <a:p>
             <a:pPr algn="ctr"/>
             <a:r>
-              <a:rPr lang="en-US" sz="2400">
+              <a:rPr lang="en-US" sz="2400" dirty="0">
                 <a:latin typeface="Swell Braille" pitchFamily="49"/>
               </a:rPr>
-              <a:t>⠁⠎⠞⠓⠑⠝⠕⠎⠏⠓⠑⠗⠊⠉⠀</a:t>
+              <a:t>⠁⠎!n⠕⠎⠏⠓}⠊⠉⠀</a:t>
             </a:r>
           </a:p>
           <a:p>
             <a:pPr algn="ctr"/>
             <a:r>
-              <a:rPr lang="en-US" sz="2400">
+              <a:rPr lang="en-US" sz="2400" dirty="0">
                 <a:latin typeface="Swell Braille" pitchFamily="49"/>
               </a:rPr>
               <a:t>⠍⠁⠝⠞⠇⠑</a:t>
